--- a/画面遷移図.pptx
+++ b/画面遷移図.pptx
@@ -108,6 +108,11 @@
       </a:defRPr>
     </a:lvl9pPr>
   </p:defaultTextStyle>
+  <p:extLst>
+    <p:ext uri="{EFAFB233-063F-42B5-8137-9DF3F51BA10A}">
+      <p15:sldGuideLst xmlns:p15="http://schemas.microsoft.com/office/powerpoint/2012/main"/>
+    </p:ext>
+  </p:extLst>
 </p:presentation>
 </file>
 
@@ -4641,7 +4646,7 @@
         </p:nvSpPr>
         <p:spPr>
           <a:xfrm>
-            <a:off x="1269140" y="5089233"/>
+            <a:off x="1988407" y="5111171"/>
             <a:ext cx="1869779" cy="457202"/>
           </a:xfrm>
           <a:prstGeom prst="rect">
@@ -6063,6 +6068,108 @@
               <a:t>オリジナルメニューの追加</a:t>
             </a:r>
             <a:endParaRPr kumimoji="1" lang="en-US" altLang="ja-JP" sz="1400" dirty="0"/>
+          </a:p>
+        </p:txBody>
+      </p:sp>
+      <p:sp>
+        <p:nvSpPr>
+          <p:cNvPr id="2" name="正方形/長方形 1">
+            <a:extLst>
+              <a:ext uri="{FF2B5EF4-FFF2-40B4-BE49-F238E27FC236}">
+                <a16:creationId xmlns:a16="http://schemas.microsoft.com/office/drawing/2014/main" id="{95965EBA-85AB-98FC-BAA6-101A0EA696B2}"/>
+              </a:ext>
+            </a:extLst>
+          </p:cNvPr>
+          <p:cNvSpPr/>
+          <p:nvPr/>
+        </p:nvSpPr>
+        <p:spPr>
+          <a:xfrm>
+            <a:off x="408661" y="5131380"/>
+            <a:ext cx="1408576" cy="445359"/>
+          </a:xfrm>
+          <a:prstGeom prst="rect">
+            <a:avLst/>
+          </a:prstGeom>
+        </p:spPr>
+        <p:style>
+          <a:lnRef idx="2">
+            <a:schemeClr val="accent1">
+              <a:shade val="15000"/>
+            </a:schemeClr>
+          </a:lnRef>
+          <a:fillRef idx="1">
+            <a:schemeClr val="accent1"/>
+          </a:fillRef>
+          <a:effectRef idx="0">
+            <a:schemeClr val="accent1"/>
+          </a:effectRef>
+          <a:fontRef idx="minor">
+            <a:schemeClr val="lt1"/>
+          </a:fontRef>
+        </p:style>
+        <p:txBody>
+          <a:bodyPr rtlCol="0" anchor="ctr"/>
+          <a:lstStyle/>
+          <a:p>
+            <a:pPr algn="ctr"/>
+            <a:r>
+              <a:rPr kumimoji="1" lang="ja-JP" altLang="en-US" sz="1400" dirty="0"/>
+              <a:t>オリジナルメニューの追加</a:t>
+            </a:r>
+            <a:endParaRPr kumimoji="1" lang="en-US" altLang="ja-JP" sz="1400" dirty="0"/>
+          </a:p>
+        </p:txBody>
+      </p:sp>
+      <p:sp>
+        <p:nvSpPr>
+          <p:cNvPr id="3" name="正方形/長方形 2">
+            <a:extLst>
+              <a:ext uri="{FF2B5EF4-FFF2-40B4-BE49-F238E27FC236}">
+                <a16:creationId xmlns:a16="http://schemas.microsoft.com/office/drawing/2014/main" id="{CC60BDC5-2F84-54A7-73F4-56F226759ADC}"/>
+              </a:ext>
+            </a:extLst>
+          </p:cNvPr>
+          <p:cNvSpPr/>
+          <p:nvPr/>
+        </p:nvSpPr>
+        <p:spPr>
+          <a:xfrm>
+            <a:off x="6094631" y="5631018"/>
+            <a:ext cx="789071" cy="662975"/>
+          </a:xfrm>
+          <a:prstGeom prst="rect">
+            <a:avLst/>
+          </a:prstGeom>
+          <a:noFill/>
+          <a:ln w="38100">
+            <a:solidFill>
+              <a:srgbClr val="C00000"/>
+            </a:solidFill>
+          </a:ln>
+        </p:spPr>
+        <p:style>
+          <a:lnRef idx="2">
+            <a:schemeClr val="accent1">
+              <a:shade val="15000"/>
+            </a:schemeClr>
+          </a:lnRef>
+          <a:fillRef idx="1">
+            <a:schemeClr val="accent1"/>
+          </a:fillRef>
+          <a:effectRef idx="0">
+            <a:schemeClr val="accent1"/>
+          </a:effectRef>
+          <a:fontRef idx="minor">
+            <a:schemeClr val="lt1"/>
+          </a:fontRef>
+        </p:style>
+        <p:txBody>
+          <a:bodyPr rtlCol="0" anchor="ctr"/>
+          <a:lstStyle/>
+          <a:p>
+            <a:pPr algn="ctr"/>
+            <a:endParaRPr kumimoji="1" lang="ja-JP" altLang="en-US"/>
           </a:p>
         </p:txBody>
       </p:sp>

--- a/画面遷移図.pptx
+++ b/画面遷移図.pptx
@@ -6,10 +6,11 @@
   </p:sldMasterIdLst>
   <p:sldIdLst>
     <p:sldId id="256" r:id="rId2"/>
-    <p:sldId id="260" r:id="rId3"/>
-    <p:sldId id="257" r:id="rId4"/>
-    <p:sldId id="258" r:id="rId5"/>
-    <p:sldId id="259" r:id="rId6"/>
+    <p:sldId id="261" r:id="rId3"/>
+    <p:sldId id="260" r:id="rId4"/>
+    <p:sldId id="257" r:id="rId5"/>
+    <p:sldId id="258" r:id="rId6"/>
+    <p:sldId id="259" r:id="rId7"/>
   </p:sldIdLst>
   <p:sldSz cx="12192000" cy="6858000"/>
   <p:notesSz cx="6858000" cy="9144000"/>
@@ -263,7 +264,7 @@
           <a:p>
             <a:fld id="{1A2C401F-F05B-4819-B696-4437F12E50AF}" type="datetimeFigureOut">
               <a:rPr kumimoji="1" lang="ja-JP" altLang="en-US" smtClean="0"/>
-              <a:t>2026/2/16</a:t>
+              <a:t>2026/2/17</a:t>
             </a:fld>
             <a:endParaRPr kumimoji="1" lang="ja-JP" altLang="en-US"/>
           </a:p>
@@ -493,7 +494,7 @@
           <a:p>
             <a:fld id="{1A2C401F-F05B-4819-B696-4437F12E50AF}" type="datetimeFigureOut">
               <a:rPr kumimoji="1" lang="ja-JP" altLang="en-US" smtClean="0"/>
-              <a:t>2026/2/16</a:t>
+              <a:t>2026/2/17</a:t>
             </a:fld>
             <a:endParaRPr kumimoji="1" lang="ja-JP" altLang="en-US"/>
           </a:p>
@@ -733,7 +734,7 @@
           <a:p>
             <a:fld id="{1A2C401F-F05B-4819-B696-4437F12E50AF}" type="datetimeFigureOut">
               <a:rPr kumimoji="1" lang="ja-JP" altLang="en-US" smtClean="0"/>
-              <a:t>2026/2/16</a:t>
+              <a:t>2026/2/17</a:t>
             </a:fld>
             <a:endParaRPr kumimoji="1" lang="ja-JP" altLang="en-US"/>
           </a:p>
@@ -963,7 +964,7 @@
           <a:p>
             <a:fld id="{1A2C401F-F05B-4819-B696-4437F12E50AF}" type="datetimeFigureOut">
               <a:rPr kumimoji="1" lang="ja-JP" altLang="en-US" smtClean="0"/>
-              <a:t>2026/2/16</a:t>
+              <a:t>2026/2/17</a:t>
             </a:fld>
             <a:endParaRPr kumimoji="1" lang="ja-JP" altLang="en-US"/>
           </a:p>
@@ -1238,7 +1239,7 @@
           <a:p>
             <a:fld id="{1A2C401F-F05B-4819-B696-4437F12E50AF}" type="datetimeFigureOut">
               <a:rPr kumimoji="1" lang="ja-JP" altLang="en-US" smtClean="0"/>
-              <a:t>2026/2/16</a:t>
+              <a:t>2026/2/17</a:t>
             </a:fld>
             <a:endParaRPr kumimoji="1" lang="ja-JP" altLang="en-US"/>
           </a:p>
@@ -1567,7 +1568,7 @@
           <a:p>
             <a:fld id="{1A2C401F-F05B-4819-B696-4437F12E50AF}" type="datetimeFigureOut">
               <a:rPr kumimoji="1" lang="ja-JP" altLang="en-US" smtClean="0"/>
-              <a:t>2026/2/16</a:t>
+              <a:t>2026/2/17</a:t>
             </a:fld>
             <a:endParaRPr kumimoji="1" lang="ja-JP" altLang="en-US"/>
           </a:p>
@@ -2043,7 +2044,7 @@
           <a:p>
             <a:fld id="{1A2C401F-F05B-4819-B696-4437F12E50AF}" type="datetimeFigureOut">
               <a:rPr kumimoji="1" lang="ja-JP" altLang="en-US" smtClean="0"/>
-              <a:t>2026/2/16</a:t>
+              <a:t>2026/2/17</a:t>
             </a:fld>
             <a:endParaRPr kumimoji="1" lang="ja-JP" altLang="en-US"/>
           </a:p>
@@ -2184,7 +2185,7 @@
           <a:p>
             <a:fld id="{1A2C401F-F05B-4819-B696-4437F12E50AF}" type="datetimeFigureOut">
               <a:rPr kumimoji="1" lang="ja-JP" altLang="en-US" smtClean="0"/>
-              <a:t>2026/2/16</a:t>
+              <a:t>2026/2/17</a:t>
             </a:fld>
             <a:endParaRPr kumimoji="1" lang="ja-JP" altLang="en-US"/>
           </a:p>
@@ -2297,7 +2298,7 @@
           <a:p>
             <a:fld id="{1A2C401F-F05B-4819-B696-4437F12E50AF}" type="datetimeFigureOut">
               <a:rPr kumimoji="1" lang="ja-JP" altLang="en-US" smtClean="0"/>
-              <a:t>2026/2/16</a:t>
+              <a:t>2026/2/17</a:t>
             </a:fld>
             <a:endParaRPr kumimoji="1" lang="ja-JP" altLang="en-US"/>
           </a:p>
@@ -2640,7 +2641,7 @@
           <a:p>
             <a:fld id="{1A2C401F-F05B-4819-B696-4437F12E50AF}" type="datetimeFigureOut">
               <a:rPr kumimoji="1" lang="ja-JP" altLang="en-US" smtClean="0"/>
-              <a:t>2026/2/16</a:t>
+              <a:t>2026/2/17</a:t>
             </a:fld>
             <a:endParaRPr kumimoji="1" lang="ja-JP" altLang="en-US"/>
           </a:p>
@@ -2928,7 +2929,7 @@
           <a:p>
             <a:fld id="{1A2C401F-F05B-4819-B696-4437F12E50AF}" type="datetimeFigureOut">
               <a:rPr kumimoji="1" lang="ja-JP" altLang="en-US" smtClean="0"/>
-              <a:t>2026/2/16</a:t>
+              <a:t>2026/2/17</a:t>
             </a:fld>
             <a:endParaRPr kumimoji="1" lang="ja-JP" altLang="en-US"/>
           </a:p>
@@ -3201,7 +3202,7 @@
           <a:p>
             <a:fld id="{1A2C401F-F05B-4819-B696-4437F12E50AF}" type="datetimeFigureOut">
               <a:rPr kumimoji="1" lang="ja-JP" altLang="en-US" smtClean="0"/>
-              <a:t>2026/2/16</a:t>
+              <a:t>2026/2/17</a:t>
             </a:fld>
             <a:endParaRPr kumimoji="1" lang="ja-JP" altLang="en-US"/>
           </a:p>
@@ -6194,6 +6195,641 @@
         <p:cNvPr id="1" name="">
           <a:extLst>
             <a:ext uri="{FF2B5EF4-FFF2-40B4-BE49-F238E27FC236}">
+              <a16:creationId xmlns:a16="http://schemas.microsoft.com/office/drawing/2014/main" id="{7F41AE2A-8C79-84A7-4969-B59FB70D9B2F}"/>
+            </a:ext>
+          </a:extLst>
+        </p:cNvPr>
+        <p:cNvGrpSpPr/>
+        <p:nvPr/>
+      </p:nvGrpSpPr>
+      <p:grpSpPr>
+        <a:xfrm>
+          <a:off x="0" y="0"/>
+          <a:ext cx="0" cy="0"/>
+          <a:chOff x="0" y="0"/>
+          <a:chExt cx="0" cy="0"/>
+        </a:xfrm>
+      </p:grpSpPr>
+      <p:grpSp>
+        <p:nvGrpSpPr>
+          <p:cNvPr id="14" name="グループ化 13">
+            <a:extLst>
+              <a:ext uri="{FF2B5EF4-FFF2-40B4-BE49-F238E27FC236}">
+                <a16:creationId xmlns:a16="http://schemas.microsoft.com/office/drawing/2014/main" id="{B47927F8-73C6-ED1B-D810-A50688B53D81}"/>
+              </a:ext>
+            </a:extLst>
+          </p:cNvPr>
+          <p:cNvGrpSpPr/>
+          <p:nvPr/>
+        </p:nvGrpSpPr>
+        <p:grpSpPr>
+          <a:xfrm>
+            <a:off x="3650671" y="781629"/>
+            <a:ext cx="4027055" cy="5237018"/>
+            <a:chOff x="3380510" y="810491"/>
+            <a:chExt cx="4027055" cy="5237018"/>
+          </a:xfrm>
+        </p:grpSpPr>
+        <p:sp>
+          <p:nvSpPr>
+            <p:cNvPr id="4" name="正方形/長方形 3">
+              <a:extLst>
+                <a:ext uri="{FF2B5EF4-FFF2-40B4-BE49-F238E27FC236}">
+                  <a16:creationId xmlns:a16="http://schemas.microsoft.com/office/drawing/2014/main" id="{768B7AD2-D9B5-380B-6404-CD8D4219748C}"/>
+                </a:ext>
+              </a:extLst>
+            </p:cNvPr>
+            <p:cNvSpPr/>
+            <p:nvPr/>
+          </p:nvSpPr>
+          <p:spPr>
+            <a:xfrm>
+              <a:off x="3380510" y="810491"/>
+              <a:ext cx="4027055" cy="5237018"/>
+            </a:xfrm>
+            <a:prstGeom prst="rect">
+              <a:avLst/>
+            </a:prstGeom>
+            <a:noFill/>
+            <a:ln w="57150"/>
+          </p:spPr>
+          <p:style>
+            <a:lnRef idx="2">
+              <a:schemeClr val="accent1">
+                <a:shade val="15000"/>
+              </a:schemeClr>
+            </a:lnRef>
+            <a:fillRef idx="1">
+              <a:schemeClr val="accent1"/>
+            </a:fillRef>
+            <a:effectRef idx="0">
+              <a:schemeClr val="accent1"/>
+            </a:effectRef>
+            <a:fontRef idx="minor">
+              <a:schemeClr val="lt1"/>
+            </a:fontRef>
+          </p:style>
+          <p:txBody>
+            <a:bodyPr rtlCol="0" anchor="ctr"/>
+            <a:lstStyle/>
+            <a:p>
+              <a:pPr algn="ctr"/>
+              <a:endParaRPr kumimoji="1" lang="ja-JP" altLang="en-US"/>
+            </a:p>
+          </p:txBody>
+        </p:sp>
+        <p:cxnSp>
+          <p:nvCxnSpPr>
+            <p:cNvPr id="6" name="直線コネクタ 5">
+              <a:extLst>
+                <a:ext uri="{FF2B5EF4-FFF2-40B4-BE49-F238E27FC236}">
+                  <a16:creationId xmlns:a16="http://schemas.microsoft.com/office/drawing/2014/main" id="{77951083-B28B-52A2-DF66-EF5EB6B52926}"/>
+                </a:ext>
+              </a:extLst>
+            </p:cNvPr>
+            <p:cNvCxnSpPr>
+              <a:cxnSpLocks/>
+            </p:cNvCxnSpPr>
+            <p:nvPr/>
+          </p:nvCxnSpPr>
+          <p:spPr>
+            <a:xfrm>
+              <a:off x="3408218" y="5190836"/>
+              <a:ext cx="3999347" cy="0"/>
+            </a:xfrm>
+            <a:prstGeom prst="line">
+              <a:avLst/>
+            </a:prstGeom>
+          </p:spPr>
+          <p:style>
+            <a:lnRef idx="2">
+              <a:schemeClr val="accent1"/>
+            </a:lnRef>
+            <a:fillRef idx="0">
+              <a:schemeClr val="accent1"/>
+            </a:fillRef>
+            <a:effectRef idx="1">
+              <a:schemeClr val="accent1"/>
+            </a:effectRef>
+            <a:fontRef idx="minor">
+              <a:schemeClr val="tx1"/>
+            </a:fontRef>
+          </p:style>
+        </p:cxnSp>
+        <p:sp>
+          <p:nvSpPr>
+            <p:cNvPr id="7" name="正方形/長方形 6">
+              <a:extLst>
+                <a:ext uri="{FF2B5EF4-FFF2-40B4-BE49-F238E27FC236}">
+                  <a16:creationId xmlns:a16="http://schemas.microsoft.com/office/drawing/2014/main" id="{8A364F2D-0993-17A7-2EC4-02F2B370896C}"/>
+                </a:ext>
+              </a:extLst>
+            </p:cNvPr>
+            <p:cNvSpPr/>
+            <p:nvPr/>
+          </p:nvSpPr>
+          <p:spPr>
+            <a:xfrm>
+              <a:off x="3380510" y="5338618"/>
+              <a:ext cx="1080654" cy="526473"/>
+            </a:xfrm>
+            <a:prstGeom prst="rect">
+              <a:avLst/>
+            </a:prstGeom>
+          </p:spPr>
+          <p:style>
+            <a:lnRef idx="2">
+              <a:schemeClr val="accent1">
+                <a:shade val="15000"/>
+              </a:schemeClr>
+            </a:lnRef>
+            <a:fillRef idx="1">
+              <a:schemeClr val="accent1"/>
+            </a:fillRef>
+            <a:effectRef idx="0">
+              <a:schemeClr val="accent1"/>
+            </a:effectRef>
+            <a:fontRef idx="minor">
+              <a:schemeClr val="lt1"/>
+            </a:fontRef>
+          </p:style>
+          <p:txBody>
+            <a:bodyPr rtlCol="0" anchor="ctr"/>
+            <a:lstStyle/>
+            <a:p>
+              <a:pPr algn="ctr"/>
+              <a:r>
+                <a:rPr kumimoji="1" lang="ja-JP" altLang="en-US" dirty="0"/>
+                <a:t>カレンダー</a:t>
+              </a:r>
+            </a:p>
+          </p:txBody>
+        </p:sp>
+        <p:sp>
+          <p:nvSpPr>
+            <p:cNvPr id="8" name="正方形/長方形 7">
+              <a:extLst>
+                <a:ext uri="{FF2B5EF4-FFF2-40B4-BE49-F238E27FC236}">
+                  <a16:creationId xmlns:a16="http://schemas.microsoft.com/office/drawing/2014/main" id="{A72FC947-22AD-880A-297A-84F902F46896}"/>
+                </a:ext>
+              </a:extLst>
+            </p:cNvPr>
+            <p:cNvSpPr/>
+            <p:nvPr/>
+          </p:nvSpPr>
+          <p:spPr>
+            <a:xfrm>
+              <a:off x="5271661" y="5338618"/>
+              <a:ext cx="951343" cy="526473"/>
+            </a:xfrm>
+            <a:prstGeom prst="rect">
+              <a:avLst/>
+            </a:prstGeom>
+          </p:spPr>
+          <p:style>
+            <a:lnRef idx="2">
+              <a:schemeClr val="accent1">
+                <a:shade val="15000"/>
+              </a:schemeClr>
+            </a:lnRef>
+            <a:fillRef idx="1">
+              <a:schemeClr val="accent1"/>
+            </a:fillRef>
+            <a:effectRef idx="0">
+              <a:schemeClr val="accent1"/>
+            </a:effectRef>
+            <a:fontRef idx="minor">
+              <a:schemeClr val="lt1"/>
+            </a:fontRef>
+          </p:style>
+          <p:txBody>
+            <a:bodyPr rtlCol="0" anchor="ctr"/>
+            <a:lstStyle/>
+            <a:p>
+              <a:pPr algn="ctr"/>
+              <a:r>
+                <a:rPr kumimoji="1" lang="ja-JP" altLang="en-US" sz="1400" dirty="0"/>
+                <a:t>メニュー管理</a:t>
+              </a:r>
+            </a:p>
+          </p:txBody>
+        </p:sp>
+        <p:sp>
+          <p:nvSpPr>
+            <p:cNvPr id="9" name="正方形/長方形 8">
+              <a:extLst>
+                <a:ext uri="{FF2B5EF4-FFF2-40B4-BE49-F238E27FC236}">
+                  <a16:creationId xmlns:a16="http://schemas.microsoft.com/office/drawing/2014/main" id="{6199F379-91CE-3817-BF61-EEBF48F62499}"/>
+                </a:ext>
+              </a:extLst>
+            </p:cNvPr>
+            <p:cNvSpPr/>
+            <p:nvPr/>
+          </p:nvSpPr>
+          <p:spPr>
+            <a:xfrm>
+              <a:off x="6289968" y="5331690"/>
+              <a:ext cx="951343" cy="526473"/>
+            </a:xfrm>
+            <a:prstGeom prst="rect">
+              <a:avLst/>
+            </a:prstGeom>
+          </p:spPr>
+          <p:style>
+            <a:lnRef idx="2">
+              <a:schemeClr val="accent1">
+                <a:shade val="15000"/>
+              </a:schemeClr>
+            </a:lnRef>
+            <a:fillRef idx="1">
+              <a:schemeClr val="accent1"/>
+            </a:fillRef>
+            <a:effectRef idx="0">
+              <a:schemeClr val="accent1"/>
+            </a:effectRef>
+            <a:fontRef idx="minor">
+              <a:schemeClr val="lt1"/>
+            </a:fontRef>
+          </p:style>
+          <p:txBody>
+            <a:bodyPr rtlCol="0" anchor="ctr"/>
+            <a:lstStyle/>
+            <a:p>
+              <a:pPr algn="ctr"/>
+              <a:r>
+                <a:rPr kumimoji="1" lang="ja-JP" altLang="en-US" dirty="0"/>
+                <a:t>体重</a:t>
+              </a:r>
+            </a:p>
+          </p:txBody>
+        </p:sp>
+      </p:grpSp>
+      <p:sp>
+        <p:nvSpPr>
+          <p:cNvPr id="2" name="正方形/長方形 1">
+            <a:extLst>
+              <a:ext uri="{FF2B5EF4-FFF2-40B4-BE49-F238E27FC236}">
+                <a16:creationId xmlns:a16="http://schemas.microsoft.com/office/drawing/2014/main" id="{DD1029D2-AE83-0F3A-D099-9A29EC551524}"/>
+              </a:ext>
+            </a:extLst>
+          </p:cNvPr>
+          <p:cNvSpPr/>
+          <p:nvPr/>
+        </p:nvSpPr>
+        <p:spPr>
+          <a:xfrm>
+            <a:off x="168565" y="674255"/>
+            <a:ext cx="2789382" cy="856671"/>
+          </a:xfrm>
+          <a:prstGeom prst="rect">
+            <a:avLst/>
+          </a:prstGeom>
+        </p:spPr>
+        <p:style>
+          <a:lnRef idx="2">
+            <a:schemeClr val="accent1">
+              <a:shade val="15000"/>
+            </a:schemeClr>
+          </a:lnRef>
+          <a:fillRef idx="1">
+            <a:schemeClr val="accent1"/>
+          </a:fillRef>
+          <a:effectRef idx="0">
+            <a:schemeClr val="accent1"/>
+          </a:effectRef>
+          <a:fontRef idx="minor">
+            <a:schemeClr val="lt1"/>
+          </a:fontRef>
+        </p:style>
+        <p:txBody>
+          <a:bodyPr rtlCol="0" anchor="ctr"/>
+          <a:lstStyle/>
+          <a:p>
+            <a:pPr algn="ctr"/>
+            <a:r>
+              <a:rPr kumimoji="1" lang="en-US" altLang="ja-JP" dirty="0"/>
+              <a:t>※</a:t>
+            </a:r>
+            <a:r>
+              <a:rPr kumimoji="1" lang="ja-JP" altLang="en-US" dirty="0"/>
+              <a:t>オリジナルメニューの追加画面</a:t>
+            </a:r>
+            <a:endParaRPr lang="ja-JP" altLang="en-US" dirty="0"/>
+          </a:p>
+        </p:txBody>
+      </p:sp>
+      <p:sp>
+        <p:nvSpPr>
+          <p:cNvPr id="3" name="正方形/長方形 2">
+            <a:extLst>
+              <a:ext uri="{FF2B5EF4-FFF2-40B4-BE49-F238E27FC236}">
+                <a16:creationId xmlns:a16="http://schemas.microsoft.com/office/drawing/2014/main" id="{591698CC-FD5F-B674-604A-9B9F8E969604}"/>
+              </a:ext>
+            </a:extLst>
+          </p:cNvPr>
+          <p:cNvSpPr/>
+          <p:nvPr/>
+        </p:nvSpPr>
+        <p:spPr>
+          <a:xfrm>
+            <a:off x="4345713" y="946728"/>
+            <a:ext cx="2147452" cy="339434"/>
+          </a:xfrm>
+          <a:prstGeom prst="rect">
+            <a:avLst/>
+          </a:prstGeom>
+        </p:spPr>
+        <p:style>
+          <a:lnRef idx="2">
+            <a:schemeClr val="accent1">
+              <a:shade val="15000"/>
+            </a:schemeClr>
+          </a:lnRef>
+          <a:fillRef idx="1">
+            <a:schemeClr val="accent1"/>
+          </a:fillRef>
+          <a:effectRef idx="0">
+            <a:schemeClr val="accent1"/>
+          </a:effectRef>
+          <a:fontRef idx="minor">
+            <a:schemeClr val="lt1"/>
+          </a:fontRef>
+        </p:style>
+        <p:txBody>
+          <a:bodyPr rtlCol="0" anchor="ctr"/>
+          <a:lstStyle/>
+          <a:p>
+            <a:pPr algn="ctr"/>
+            <a:r>
+              <a:rPr kumimoji="1" lang="ja-JP" altLang="en-US" dirty="0"/>
+              <a:t>種目名</a:t>
+            </a:r>
+          </a:p>
+        </p:txBody>
+      </p:sp>
+      <p:sp>
+        <p:nvSpPr>
+          <p:cNvPr id="15" name="正方形/長方形 14">
+            <a:extLst>
+              <a:ext uri="{FF2B5EF4-FFF2-40B4-BE49-F238E27FC236}">
+                <a16:creationId xmlns:a16="http://schemas.microsoft.com/office/drawing/2014/main" id="{BEC30935-1004-3AD8-EC3C-72439BA736CB}"/>
+              </a:ext>
+            </a:extLst>
+          </p:cNvPr>
+          <p:cNvSpPr/>
+          <p:nvPr/>
+        </p:nvSpPr>
+        <p:spPr>
+          <a:xfrm>
+            <a:off x="8638310" y="659815"/>
+            <a:ext cx="2789382" cy="2104741"/>
+          </a:xfrm>
+          <a:prstGeom prst="rect">
+            <a:avLst/>
+          </a:prstGeom>
+        </p:spPr>
+        <p:style>
+          <a:lnRef idx="2">
+            <a:schemeClr val="accent1">
+              <a:shade val="15000"/>
+            </a:schemeClr>
+          </a:lnRef>
+          <a:fillRef idx="1">
+            <a:schemeClr val="accent1"/>
+          </a:fillRef>
+          <a:effectRef idx="0">
+            <a:schemeClr val="accent1"/>
+          </a:effectRef>
+          <a:fontRef idx="minor">
+            <a:schemeClr val="lt1"/>
+          </a:fontRef>
+        </p:style>
+        <p:txBody>
+          <a:bodyPr rtlCol="0" anchor="ctr"/>
+          <a:lstStyle/>
+          <a:p>
+            <a:pPr algn="ctr"/>
+            <a:r>
+              <a:rPr kumimoji="1" lang="en-US" altLang="ja-JP" dirty="0"/>
+              <a:t>※</a:t>
+            </a:r>
+            <a:r>
+              <a:rPr kumimoji="1" lang="ja-JP" altLang="en-US" dirty="0"/>
+              <a:t>重量と</a:t>
+            </a:r>
+            <a:r>
+              <a:rPr lang="en-US" altLang="ja-JP" dirty="0"/>
+              <a:t>rep</a:t>
+            </a:r>
+            <a:r>
+              <a:rPr lang="ja-JP" altLang="en-US" dirty="0"/>
+              <a:t>数には前回の記録が表示される</a:t>
+            </a:r>
+            <a:endParaRPr lang="en-US" altLang="ja-JP" dirty="0"/>
+          </a:p>
+          <a:p>
+            <a:pPr algn="ctr"/>
+            <a:r>
+              <a:rPr lang="ja-JP" altLang="en-US" dirty="0"/>
+              <a:t>＋ボタンで追加</a:t>
+            </a:r>
+            <a:endParaRPr lang="en-US" altLang="ja-JP" dirty="0"/>
+          </a:p>
+          <a:p>
+            <a:pPr algn="ctr"/>
+            <a:r>
+              <a:rPr lang="ja-JP" altLang="en-US" dirty="0"/>
+              <a:t>もし前回よりも</a:t>
+            </a:r>
+            <a:r>
+              <a:rPr lang="en-US" altLang="ja-JP" dirty="0"/>
+              <a:t>set</a:t>
+            </a:r>
+            <a:r>
+              <a:rPr lang="ja-JP" altLang="en-US" dirty="0"/>
+              <a:t>数が多い場合そのひとつ前の記録がプレイスホルダーに入るようにする</a:t>
+            </a:r>
+          </a:p>
+        </p:txBody>
+      </p:sp>
+      <p:sp>
+        <p:nvSpPr>
+          <p:cNvPr id="26" name="正方形/長方形 25">
+            <a:extLst>
+              <a:ext uri="{FF2B5EF4-FFF2-40B4-BE49-F238E27FC236}">
+                <a16:creationId xmlns:a16="http://schemas.microsoft.com/office/drawing/2014/main" id="{C2866A65-7EB2-D5D8-3667-B107B7A2A5B9}"/>
+              </a:ext>
+            </a:extLst>
+          </p:cNvPr>
+          <p:cNvSpPr/>
+          <p:nvPr/>
+        </p:nvSpPr>
+        <p:spPr>
+          <a:xfrm>
+            <a:off x="8638310" y="3183087"/>
+            <a:ext cx="2671614" cy="1059299"/>
+          </a:xfrm>
+          <a:prstGeom prst="rect">
+            <a:avLst/>
+          </a:prstGeom>
+        </p:spPr>
+        <p:style>
+          <a:lnRef idx="2">
+            <a:schemeClr val="accent1">
+              <a:shade val="15000"/>
+            </a:schemeClr>
+          </a:lnRef>
+          <a:fillRef idx="1">
+            <a:schemeClr val="accent1"/>
+          </a:fillRef>
+          <a:effectRef idx="0">
+            <a:schemeClr val="accent1"/>
+          </a:effectRef>
+          <a:fontRef idx="minor">
+            <a:schemeClr val="lt1"/>
+          </a:fontRef>
+        </p:style>
+        <p:txBody>
+          <a:bodyPr rtlCol="0" anchor="ctr"/>
+          <a:lstStyle/>
+          <a:p>
+            <a:pPr algn="ctr"/>
+            <a:r>
+              <a:rPr kumimoji="1" lang="en-US" altLang="ja-JP" dirty="0"/>
+              <a:t>※</a:t>
+            </a:r>
+            <a:r>
+              <a:rPr kumimoji="1" lang="ja-JP" altLang="en-US" dirty="0"/>
+              <a:t>種目名の部分をスライドすると削除ボタンが出てくる</a:t>
+            </a:r>
+            <a:endParaRPr lang="ja-JP" altLang="en-US" dirty="0"/>
+          </a:p>
+        </p:txBody>
+      </p:sp>
+      <p:sp>
+        <p:nvSpPr>
+          <p:cNvPr id="27" name="正方形/長方形 26">
+            <a:extLst>
+              <a:ext uri="{FF2B5EF4-FFF2-40B4-BE49-F238E27FC236}">
+                <a16:creationId xmlns:a16="http://schemas.microsoft.com/office/drawing/2014/main" id="{B3578760-F42A-B4F9-805A-F57F1EB30DF7}"/>
+              </a:ext>
+            </a:extLst>
+          </p:cNvPr>
+          <p:cNvSpPr/>
+          <p:nvPr/>
+        </p:nvSpPr>
+        <p:spPr>
+          <a:xfrm>
+            <a:off x="4805252" y="5323857"/>
+            <a:ext cx="653439" cy="512372"/>
+          </a:xfrm>
+          <a:prstGeom prst="rect">
+            <a:avLst/>
+          </a:prstGeom>
+        </p:spPr>
+        <p:style>
+          <a:lnRef idx="2">
+            <a:schemeClr val="accent1">
+              <a:shade val="15000"/>
+            </a:schemeClr>
+          </a:lnRef>
+          <a:fillRef idx="1">
+            <a:schemeClr val="accent1"/>
+          </a:fillRef>
+          <a:effectRef idx="0">
+            <a:schemeClr val="accent1"/>
+          </a:effectRef>
+          <a:fontRef idx="minor">
+            <a:schemeClr val="lt1"/>
+          </a:fontRef>
+        </p:style>
+        <p:txBody>
+          <a:bodyPr rtlCol="0" anchor="ctr"/>
+          <a:lstStyle/>
+          <a:p>
+            <a:pPr algn="ctr"/>
+            <a:r>
+              <a:rPr kumimoji="1" lang="ja-JP" altLang="en-US" sz="1200" dirty="0"/>
+              <a:t>トレーニング</a:t>
+            </a:r>
+          </a:p>
+        </p:txBody>
+      </p:sp>
+      <p:sp>
+        <p:nvSpPr>
+          <p:cNvPr id="28" name="正方形/長方形 27">
+            <a:extLst>
+              <a:ext uri="{FF2B5EF4-FFF2-40B4-BE49-F238E27FC236}">
+                <a16:creationId xmlns:a16="http://schemas.microsoft.com/office/drawing/2014/main" id="{6B87C2BA-D14C-98A6-30FB-F96462867DA5}"/>
+              </a:ext>
+            </a:extLst>
+          </p:cNvPr>
+          <p:cNvSpPr/>
+          <p:nvPr/>
+        </p:nvSpPr>
+        <p:spPr>
+          <a:xfrm>
+            <a:off x="8536130" y="4430274"/>
+            <a:ext cx="2671614" cy="1059299"/>
+          </a:xfrm>
+          <a:prstGeom prst="rect">
+            <a:avLst/>
+          </a:prstGeom>
+        </p:spPr>
+        <p:style>
+          <a:lnRef idx="2">
+            <a:schemeClr val="accent1">
+              <a:shade val="15000"/>
+            </a:schemeClr>
+          </a:lnRef>
+          <a:fillRef idx="1">
+            <a:schemeClr val="accent1"/>
+          </a:fillRef>
+          <a:effectRef idx="0">
+            <a:schemeClr val="accent1"/>
+          </a:effectRef>
+          <a:fontRef idx="minor">
+            <a:schemeClr val="lt1"/>
+          </a:fontRef>
+        </p:style>
+        <p:txBody>
+          <a:bodyPr rtlCol="0" anchor="ctr"/>
+          <a:lstStyle/>
+          <a:p>
+            <a:pPr algn="ctr"/>
+            <a:r>
+              <a:rPr kumimoji="1" lang="en-US" altLang="ja-JP" dirty="0"/>
+              <a:t>※</a:t>
+            </a:r>
+            <a:r>
+              <a:rPr kumimoji="1" lang="ja-JP" altLang="en-US" dirty="0"/>
+              <a:t>すべてのトレーニング完了でトレーニングボタンを削除</a:t>
+            </a:r>
+            <a:endParaRPr lang="ja-JP" altLang="en-US" dirty="0"/>
+          </a:p>
+        </p:txBody>
+      </p:sp>
+    </p:spTree>
+    <p:extLst>
+      <p:ext uri="{BB962C8B-B14F-4D97-AF65-F5344CB8AC3E}">
+        <p14:creationId xmlns:p14="http://schemas.microsoft.com/office/powerpoint/2010/main" val="531684000"/>
+      </p:ext>
+    </p:extLst>
+  </p:cSld>
+  <p:clrMapOvr>
+    <a:masterClrMapping/>
+  </p:clrMapOvr>
+</p:sld>
+</file>
+
+<file path=ppt/slides/slide3.xml><?xml version="1.0" encoding="utf-8"?>
+<p:sld xmlns:a="http://schemas.openxmlformats.org/drawingml/2006/main" xmlns:r="http://schemas.openxmlformats.org/officeDocument/2006/relationships" xmlns:p="http://schemas.openxmlformats.org/presentationml/2006/main">
+  <p:cSld>
+    <p:spTree>
+      <p:nvGrpSpPr>
+        <p:cNvPr id="1" name="">
+          <a:extLst>
+            <a:ext uri="{FF2B5EF4-FFF2-40B4-BE49-F238E27FC236}">
               <a16:creationId xmlns:a16="http://schemas.microsoft.com/office/drawing/2014/main" id="{6A569153-FBD6-7AF3-75E9-0E55B84B17FD}"/>
             </a:ext>
           </a:extLst>
@@ -7573,7 +8209,7 @@
 </p:sld>
 </file>
 
-<file path=ppt/slides/slide3.xml><?xml version="1.0" encoding="utf-8"?>
+<file path=ppt/slides/slide4.xml><?xml version="1.0" encoding="utf-8"?>
 <p:sld xmlns:a="http://schemas.openxmlformats.org/drawingml/2006/main" xmlns:r="http://schemas.openxmlformats.org/officeDocument/2006/relationships" xmlns:p="http://schemas.openxmlformats.org/presentationml/2006/main">
   <p:cSld>
     <p:spTree>
@@ -8318,7 +8954,7 @@
 </p:sld>
 </file>
 
-<file path=ppt/slides/slide4.xml><?xml version="1.0" encoding="utf-8"?>
+<file path=ppt/slides/slide5.xml><?xml version="1.0" encoding="utf-8"?>
 <p:sld xmlns:a="http://schemas.openxmlformats.org/drawingml/2006/main" xmlns:r="http://schemas.openxmlformats.org/officeDocument/2006/relationships" xmlns:p="http://schemas.openxmlformats.org/presentationml/2006/main">
   <p:cSld>
     <p:spTree>
@@ -8744,7 +9380,7 @@
 </p:sld>
 </file>
 
-<file path=ppt/slides/slide5.xml><?xml version="1.0" encoding="utf-8"?>
+<file path=ppt/slides/slide6.xml><?xml version="1.0" encoding="utf-8"?>
 <p:sld xmlns:a="http://schemas.openxmlformats.org/drawingml/2006/main" xmlns:r="http://schemas.openxmlformats.org/officeDocument/2006/relationships" xmlns:p="http://schemas.openxmlformats.org/presentationml/2006/main">
   <p:cSld>
     <p:spTree>

--- a/画面遷移図.pptx
+++ b/画面遷移図.pptx
@@ -4968,7 +4968,7 @@
         </p:nvGrpSpPr>
         <p:grpSpPr>
           <a:xfrm>
-            <a:off x="5384513" y="1313871"/>
+            <a:off x="5384513" y="1173608"/>
             <a:ext cx="3445740" cy="5099628"/>
             <a:chOff x="3380510" y="810491"/>
             <a:chExt cx="4027055" cy="5237018"/>
@@ -5085,7 +5085,7 @@
           </p:nvSpPr>
           <p:spPr>
             <a:xfrm>
-              <a:off x="5134220" y="5333123"/>
+              <a:off x="4254581" y="5353884"/>
               <a:ext cx="1080654" cy="550717"/>
             </a:xfrm>
             <a:prstGeom prst="rect">
@@ -5222,7 +5222,7 @@
         </p:nvSpPr>
         <p:spPr>
           <a:xfrm>
-            <a:off x="6170590" y="5729948"/>
+            <a:off x="7135206" y="5644113"/>
             <a:ext cx="653439" cy="512372"/>
           </a:xfrm>
           <a:prstGeom prst="rect">
@@ -6136,7 +6136,7 @@
         </p:nvSpPr>
         <p:spPr>
           <a:xfrm>
-            <a:off x="6094631" y="5631018"/>
+            <a:off x="7067391" y="5553442"/>
             <a:ext cx="789071" cy="662975"/>
           </a:xfrm>
           <a:prstGeom prst="rect">
@@ -6224,7 +6224,7 @@
         </p:nvGrpSpPr>
         <p:grpSpPr>
           <a:xfrm>
-            <a:off x="3650671" y="781629"/>
+            <a:off x="3682421" y="718294"/>
             <a:ext cx="4027055" cy="5237018"/>
             <a:chOff x="3380510" y="810491"/>
             <a:chExt cx="4027055" cy="5237018"/>
@@ -6379,7 +6379,7 @@
           </p:nvSpPr>
           <p:spPr>
             <a:xfrm>
-              <a:off x="5271661" y="5338618"/>
+              <a:off x="4511971" y="5338617"/>
               <a:ext cx="951343" cy="526473"/>
             </a:xfrm>
             <a:prstGeom prst="rect">
@@ -6532,7 +6532,7 @@
         </p:nvSpPr>
         <p:spPr>
           <a:xfrm>
-            <a:off x="4345713" y="946728"/>
+            <a:off x="4590472" y="1102590"/>
             <a:ext cx="2147452" cy="339434"/>
           </a:xfrm>
           <a:prstGeom prst="rect">
@@ -6720,7 +6720,7 @@
         </p:nvSpPr>
         <p:spPr>
           <a:xfrm>
-            <a:off x="4805252" y="5323857"/>
+            <a:off x="5868571" y="5270790"/>
             <a:ext cx="653439" cy="512372"/>
           </a:xfrm>
           <a:prstGeom prst="rect">
@@ -6806,6 +6806,405 @@
               <a:t>すべてのトレーニング完了でトレーニングボタンを削除</a:t>
             </a:r>
             <a:endParaRPr lang="ja-JP" altLang="en-US" dirty="0"/>
+          </a:p>
+        </p:txBody>
+      </p:sp>
+      <p:sp>
+        <p:nvSpPr>
+          <p:cNvPr id="5" name="正方形/長方形 4">
+            <a:extLst>
+              <a:ext uri="{FF2B5EF4-FFF2-40B4-BE49-F238E27FC236}">
+                <a16:creationId xmlns:a16="http://schemas.microsoft.com/office/drawing/2014/main" id="{9E9A8B4B-B28B-A921-6F13-9BD18DC6964E}"/>
+              </a:ext>
+            </a:extLst>
+          </p:cNvPr>
+          <p:cNvSpPr/>
+          <p:nvPr/>
+        </p:nvSpPr>
+        <p:spPr>
+          <a:xfrm>
+            <a:off x="4643583" y="1740560"/>
+            <a:ext cx="535709" cy="457202"/>
+          </a:xfrm>
+          <a:prstGeom prst="rect">
+            <a:avLst/>
+          </a:prstGeom>
+        </p:spPr>
+        <p:style>
+          <a:lnRef idx="2">
+            <a:schemeClr val="accent1">
+              <a:shade val="15000"/>
+            </a:schemeClr>
+          </a:lnRef>
+          <a:fillRef idx="1">
+            <a:schemeClr val="accent1"/>
+          </a:fillRef>
+          <a:effectRef idx="0">
+            <a:schemeClr val="accent1"/>
+          </a:effectRef>
+          <a:fontRef idx="minor">
+            <a:schemeClr val="lt1"/>
+          </a:fontRef>
+        </p:style>
+        <p:txBody>
+          <a:bodyPr rtlCol="0" anchor="ctr"/>
+          <a:lstStyle/>
+          <a:p>
+            <a:pPr algn="ctr"/>
+            <a:r>
+              <a:rPr kumimoji="1" lang="ja-JP" altLang="en-US" dirty="0"/>
+              <a:t>胸</a:t>
+            </a:r>
+            <a:endParaRPr kumimoji="1" lang="en-US" altLang="ja-JP" dirty="0"/>
+          </a:p>
+        </p:txBody>
+      </p:sp>
+      <p:sp>
+        <p:nvSpPr>
+          <p:cNvPr id="10" name="正方形/長方形 9">
+            <a:extLst>
+              <a:ext uri="{FF2B5EF4-FFF2-40B4-BE49-F238E27FC236}">
+                <a16:creationId xmlns:a16="http://schemas.microsoft.com/office/drawing/2014/main" id="{CD96280C-960A-6725-1AA0-3145604AAF61}"/>
+              </a:ext>
+            </a:extLst>
+          </p:cNvPr>
+          <p:cNvSpPr/>
+          <p:nvPr/>
+        </p:nvSpPr>
+        <p:spPr>
+          <a:xfrm>
+            <a:off x="4643583" y="2411351"/>
+            <a:ext cx="535709" cy="457202"/>
+          </a:xfrm>
+          <a:prstGeom prst="rect">
+            <a:avLst/>
+          </a:prstGeom>
+        </p:spPr>
+        <p:style>
+          <a:lnRef idx="2">
+            <a:schemeClr val="accent1">
+              <a:shade val="15000"/>
+            </a:schemeClr>
+          </a:lnRef>
+          <a:fillRef idx="1">
+            <a:schemeClr val="accent1"/>
+          </a:fillRef>
+          <a:effectRef idx="0">
+            <a:schemeClr val="accent1"/>
+          </a:effectRef>
+          <a:fontRef idx="minor">
+            <a:schemeClr val="lt1"/>
+          </a:fontRef>
+        </p:style>
+        <p:txBody>
+          <a:bodyPr rtlCol="0" anchor="ctr"/>
+          <a:lstStyle/>
+          <a:p>
+            <a:pPr algn="ctr"/>
+            <a:r>
+              <a:rPr lang="ja-JP" altLang="en-US" dirty="0"/>
+              <a:t>背中</a:t>
+            </a:r>
+            <a:endParaRPr kumimoji="1" lang="en-US" altLang="ja-JP" dirty="0"/>
+          </a:p>
+        </p:txBody>
+      </p:sp>
+      <p:sp>
+        <p:nvSpPr>
+          <p:cNvPr id="11" name="正方形/長方形 10">
+            <a:extLst>
+              <a:ext uri="{FF2B5EF4-FFF2-40B4-BE49-F238E27FC236}">
+                <a16:creationId xmlns:a16="http://schemas.microsoft.com/office/drawing/2014/main" id="{AF9A37AB-17E7-F3FF-45B2-2BDC4D3D99D0}"/>
+              </a:ext>
+            </a:extLst>
+          </p:cNvPr>
+          <p:cNvSpPr/>
+          <p:nvPr/>
+        </p:nvSpPr>
+        <p:spPr>
+          <a:xfrm>
+            <a:off x="6169890" y="1734786"/>
+            <a:ext cx="535709" cy="457202"/>
+          </a:xfrm>
+          <a:prstGeom prst="rect">
+            <a:avLst/>
+          </a:prstGeom>
+        </p:spPr>
+        <p:style>
+          <a:lnRef idx="2">
+            <a:schemeClr val="accent1">
+              <a:shade val="15000"/>
+            </a:schemeClr>
+          </a:lnRef>
+          <a:fillRef idx="1">
+            <a:schemeClr val="accent1"/>
+          </a:fillRef>
+          <a:effectRef idx="0">
+            <a:schemeClr val="accent1"/>
+          </a:effectRef>
+          <a:fontRef idx="minor">
+            <a:schemeClr val="lt1"/>
+          </a:fontRef>
+        </p:style>
+        <p:txBody>
+          <a:bodyPr rtlCol="0" anchor="ctr"/>
+          <a:lstStyle/>
+          <a:p>
+            <a:pPr algn="ctr"/>
+            <a:r>
+              <a:rPr kumimoji="1" lang="ja-JP" altLang="en-US" dirty="0"/>
+              <a:t>腕</a:t>
+            </a:r>
+            <a:endParaRPr kumimoji="1" lang="en-US" altLang="ja-JP" dirty="0"/>
+          </a:p>
+        </p:txBody>
+      </p:sp>
+      <p:sp>
+        <p:nvSpPr>
+          <p:cNvPr id="12" name="正方形/長方形 11">
+            <a:extLst>
+              <a:ext uri="{FF2B5EF4-FFF2-40B4-BE49-F238E27FC236}">
+                <a16:creationId xmlns:a16="http://schemas.microsoft.com/office/drawing/2014/main" id="{C97DD48B-9952-39A4-6E29-DD9AF9A8E7AE}"/>
+              </a:ext>
+            </a:extLst>
+          </p:cNvPr>
+          <p:cNvSpPr/>
+          <p:nvPr/>
+        </p:nvSpPr>
+        <p:spPr>
+          <a:xfrm>
+            <a:off x="5458691" y="1734786"/>
+            <a:ext cx="535709" cy="457202"/>
+          </a:xfrm>
+          <a:prstGeom prst="rect">
+            <a:avLst/>
+          </a:prstGeom>
+        </p:spPr>
+        <p:style>
+          <a:lnRef idx="2">
+            <a:schemeClr val="accent1">
+              <a:shade val="15000"/>
+            </a:schemeClr>
+          </a:lnRef>
+          <a:fillRef idx="1">
+            <a:schemeClr val="accent1"/>
+          </a:fillRef>
+          <a:effectRef idx="0">
+            <a:schemeClr val="accent1"/>
+          </a:effectRef>
+          <a:fontRef idx="minor">
+            <a:schemeClr val="lt1"/>
+          </a:fontRef>
+        </p:style>
+        <p:txBody>
+          <a:bodyPr rtlCol="0" anchor="ctr"/>
+          <a:lstStyle/>
+          <a:p>
+            <a:pPr algn="ctr"/>
+            <a:r>
+              <a:rPr kumimoji="1" lang="ja-JP" altLang="en-US" dirty="0"/>
+              <a:t>肩</a:t>
+            </a:r>
+            <a:endParaRPr kumimoji="1" lang="en-US" altLang="ja-JP" dirty="0"/>
+          </a:p>
+        </p:txBody>
+      </p:sp>
+      <p:sp>
+        <p:nvSpPr>
+          <p:cNvPr id="13" name="正方形/長方形 12">
+            <a:extLst>
+              <a:ext uri="{FF2B5EF4-FFF2-40B4-BE49-F238E27FC236}">
+                <a16:creationId xmlns:a16="http://schemas.microsoft.com/office/drawing/2014/main" id="{7EDC2247-07D5-6D58-1F2B-28BF7E9D81E5}"/>
+              </a:ext>
+            </a:extLst>
+          </p:cNvPr>
+          <p:cNvSpPr/>
+          <p:nvPr/>
+        </p:nvSpPr>
+        <p:spPr>
+          <a:xfrm>
+            <a:off x="5458691" y="2411351"/>
+            <a:ext cx="535709" cy="457202"/>
+          </a:xfrm>
+          <a:prstGeom prst="rect">
+            <a:avLst/>
+          </a:prstGeom>
+        </p:spPr>
+        <p:style>
+          <a:lnRef idx="2">
+            <a:schemeClr val="accent1">
+              <a:shade val="15000"/>
+            </a:schemeClr>
+          </a:lnRef>
+          <a:fillRef idx="1">
+            <a:schemeClr val="accent1"/>
+          </a:fillRef>
+          <a:effectRef idx="0">
+            <a:schemeClr val="accent1"/>
+          </a:effectRef>
+          <a:fontRef idx="minor">
+            <a:schemeClr val="lt1"/>
+          </a:fontRef>
+        </p:style>
+        <p:txBody>
+          <a:bodyPr rtlCol="0" anchor="ctr"/>
+          <a:lstStyle/>
+          <a:p>
+            <a:pPr algn="ctr"/>
+            <a:r>
+              <a:rPr kumimoji="1" lang="ja-JP" altLang="en-US" dirty="0"/>
+              <a:t>脚</a:t>
+            </a:r>
+            <a:endParaRPr kumimoji="1" lang="en-US" altLang="ja-JP" dirty="0"/>
+          </a:p>
+        </p:txBody>
+      </p:sp>
+      <p:sp>
+        <p:nvSpPr>
+          <p:cNvPr id="16" name="正方形/長方形 15">
+            <a:extLst>
+              <a:ext uri="{FF2B5EF4-FFF2-40B4-BE49-F238E27FC236}">
+                <a16:creationId xmlns:a16="http://schemas.microsoft.com/office/drawing/2014/main" id="{5A96760D-BE9C-CD36-A15F-70C780857624}"/>
+              </a:ext>
+            </a:extLst>
+          </p:cNvPr>
+          <p:cNvSpPr/>
+          <p:nvPr/>
+        </p:nvSpPr>
+        <p:spPr>
+          <a:xfrm>
+            <a:off x="6195291" y="2391722"/>
+            <a:ext cx="646551" cy="476827"/>
+          </a:xfrm>
+          <a:prstGeom prst="rect">
+            <a:avLst/>
+          </a:prstGeom>
+        </p:spPr>
+        <p:style>
+          <a:lnRef idx="2">
+            <a:schemeClr val="accent1">
+              <a:shade val="15000"/>
+            </a:schemeClr>
+          </a:lnRef>
+          <a:fillRef idx="1">
+            <a:schemeClr val="accent1"/>
+          </a:fillRef>
+          <a:effectRef idx="0">
+            <a:schemeClr val="accent1"/>
+          </a:effectRef>
+          <a:fontRef idx="minor">
+            <a:schemeClr val="lt1"/>
+          </a:fontRef>
+        </p:style>
+        <p:txBody>
+          <a:bodyPr rtlCol="0" anchor="ctr"/>
+          <a:lstStyle/>
+          <a:p>
+            <a:pPr algn="ctr"/>
+            <a:r>
+              <a:rPr kumimoji="1" lang="ja-JP" altLang="en-US" dirty="0"/>
+              <a:t>腹筋</a:t>
+            </a:r>
+            <a:endParaRPr kumimoji="1" lang="en-US" altLang="ja-JP" dirty="0"/>
+          </a:p>
+        </p:txBody>
+      </p:sp>
+      <p:sp>
+        <p:nvSpPr>
+          <p:cNvPr id="17" name="正方形/長方形 16">
+            <a:extLst>
+              <a:ext uri="{FF2B5EF4-FFF2-40B4-BE49-F238E27FC236}">
+                <a16:creationId xmlns:a16="http://schemas.microsoft.com/office/drawing/2014/main" id="{BCE96056-BBF1-7A8D-9479-B95685DE56B0}"/>
+              </a:ext>
+            </a:extLst>
+          </p:cNvPr>
+          <p:cNvSpPr/>
+          <p:nvPr/>
+        </p:nvSpPr>
+        <p:spPr>
+          <a:xfrm>
+            <a:off x="4590472" y="3076362"/>
+            <a:ext cx="2147452" cy="339434"/>
+          </a:xfrm>
+          <a:prstGeom prst="rect">
+            <a:avLst/>
+          </a:prstGeom>
+        </p:spPr>
+        <p:style>
+          <a:lnRef idx="2">
+            <a:schemeClr val="accent1">
+              <a:shade val="15000"/>
+            </a:schemeClr>
+          </a:lnRef>
+          <a:fillRef idx="1">
+            <a:schemeClr val="accent1"/>
+          </a:fillRef>
+          <a:effectRef idx="0">
+            <a:schemeClr val="accent1"/>
+          </a:effectRef>
+          <a:fontRef idx="minor">
+            <a:schemeClr val="lt1"/>
+          </a:fontRef>
+        </p:style>
+        <p:txBody>
+          <a:bodyPr rtlCol="0" anchor="ctr"/>
+          <a:lstStyle/>
+          <a:p>
+            <a:pPr algn="ctr"/>
+            <a:r>
+              <a:rPr kumimoji="1" lang="ja-JP" altLang="en-US" dirty="0"/>
+              <a:t>注釈</a:t>
+            </a:r>
+          </a:p>
+        </p:txBody>
+      </p:sp>
+      <p:sp>
+        <p:nvSpPr>
+          <p:cNvPr id="18" name="正方形/長方形 17">
+            <a:extLst>
+              <a:ext uri="{FF2B5EF4-FFF2-40B4-BE49-F238E27FC236}">
+                <a16:creationId xmlns:a16="http://schemas.microsoft.com/office/drawing/2014/main" id="{EFFC6310-A2C7-4425-2619-371566942303}"/>
+              </a:ext>
+            </a:extLst>
+          </p:cNvPr>
+          <p:cNvSpPr/>
+          <p:nvPr/>
+        </p:nvSpPr>
+        <p:spPr>
+          <a:xfrm>
+            <a:off x="4584386" y="3674415"/>
+            <a:ext cx="2147452" cy="339434"/>
+          </a:xfrm>
+          <a:prstGeom prst="rect">
+            <a:avLst/>
+          </a:prstGeom>
+        </p:spPr>
+        <p:style>
+          <a:lnRef idx="2">
+            <a:schemeClr val="accent1">
+              <a:shade val="15000"/>
+            </a:schemeClr>
+          </a:lnRef>
+          <a:fillRef idx="1">
+            <a:schemeClr val="accent1"/>
+          </a:fillRef>
+          <a:effectRef idx="0">
+            <a:schemeClr val="accent1"/>
+          </a:effectRef>
+          <a:fontRef idx="minor">
+            <a:schemeClr val="lt1"/>
+          </a:fontRef>
+        </p:style>
+        <p:txBody>
+          <a:bodyPr rtlCol="0" anchor="ctr"/>
+          <a:lstStyle/>
+          <a:p>
+            <a:pPr algn="ctr"/>
+            <a:r>
+              <a:rPr lang="ja-JP" altLang="en-US" dirty="0"/>
+              <a:t>登録</a:t>
+            </a:r>
+            <a:endParaRPr kumimoji="1" lang="ja-JP" altLang="en-US" dirty="0"/>
           </a:p>
         </p:txBody>
       </p:sp>

--- a/画面遷移図.pptx
+++ b/画面遷移図.pptx
@@ -264,7 +264,7 @@
           <a:p>
             <a:fld id="{1A2C401F-F05B-4819-B696-4437F12E50AF}" type="datetimeFigureOut">
               <a:rPr kumimoji="1" lang="ja-JP" altLang="en-US" smtClean="0"/>
-              <a:t>2026/2/17</a:t>
+              <a:t>2026/2/18</a:t>
             </a:fld>
             <a:endParaRPr kumimoji="1" lang="ja-JP" altLang="en-US"/>
           </a:p>
@@ -494,7 +494,7 @@
           <a:p>
             <a:fld id="{1A2C401F-F05B-4819-B696-4437F12E50AF}" type="datetimeFigureOut">
               <a:rPr kumimoji="1" lang="ja-JP" altLang="en-US" smtClean="0"/>
-              <a:t>2026/2/17</a:t>
+              <a:t>2026/2/18</a:t>
             </a:fld>
             <a:endParaRPr kumimoji="1" lang="ja-JP" altLang="en-US"/>
           </a:p>
@@ -734,7 +734,7 @@
           <a:p>
             <a:fld id="{1A2C401F-F05B-4819-B696-4437F12E50AF}" type="datetimeFigureOut">
               <a:rPr kumimoji="1" lang="ja-JP" altLang="en-US" smtClean="0"/>
-              <a:t>2026/2/17</a:t>
+              <a:t>2026/2/18</a:t>
             </a:fld>
             <a:endParaRPr kumimoji="1" lang="ja-JP" altLang="en-US"/>
           </a:p>
@@ -964,7 +964,7 @@
           <a:p>
             <a:fld id="{1A2C401F-F05B-4819-B696-4437F12E50AF}" type="datetimeFigureOut">
               <a:rPr kumimoji="1" lang="ja-JP" altLang="en-US" smtClean="0"/>
-              <a:t>2026/2/17</a:t>
+              <a:t>2026/2/18</a:t>
             </a:fld>
             <a:endParaRPr kumimoji="1" lang="ja-JP" altLang="en-US"/>
           </a:p>
@@ -1239,7 +1239,7 @@
           <a:p>
             <a:fld id="{1A2C401F-F05B-4819-B696-4437F12E50AF}" type="datetimeFigureOut">
               <a:rPr kumimoji="1" lang="ja-JP" altLang="en-US" smtClean="0"/>
-              <a:t>2026/2/17</a:t>
+              <a:t>2026/2/18</a:t>
             </a:fld>
             <a:endParaRPr kumimoji="1" lang="ja-JP" altLang="en-US"/>
           </a:p>
@@ -1568,7 +1568,7 @@
           <a:p>
             <a:fld id="{1A2C401F-F05B-4819-B696-4437F12E50AF}" type="datetimeFigureOut">
               <a:rPr kumimoji="1" lang="ja-JP" altLang="en-US" smtClean="0"/>
-              <a:t>2026/2/17</a:t>
+              <a:t>2026/2/18</a:t>
             </a:fld>
             <a:endParaRPr kumimoji="1" lang="ja-JP" altLang="en-US"/>
           </a:p>
@@ -2044,7 +2044,7 @@
           <a:p>
             <a:fld id="{1A2C401F-F05B-4819-B696-4437F12E50AF}" type="datetimeFigureOut">
               <a:rPr kumimoji="1" lang="ja-JP" altLang="en-US" smtClean="0"/>
-              <a:t>2026/2/17</a:t>
+              <a:t>2026/2/18</a:t>
             </a:fld>
             <a:endParaRPr kumimoji="1" lang="ja-JP" altLang="en-US"/>
           </a:p>
@@ -2185,7 +2185,7 @@
           <a:p>
             <a:fld id="{1A2C401F-F05B-4819-B696-4437F12E50AF}" type="datetimeFigureOut">
               <a:rPr kumimoji="1" lang="ja-JP" altLang="en-US" smtClean="0"/>
-              <a:t>2026/2/17</a:t>
+              <a:t>2026/2/18</a:t>
             </a:fld>
             <a:endParaRPr kumimoji="1" lang="ja-JP" altLang="en-US"/>
           </a:p>
@@ -2298,7 +2298,7 @@
           <a:p>
             <a:fld id="{1A2C401F-F05B-4819-B696-4437F12E50AF}" type="datetimeFigureOut">
               <a:rPr kumimoji="1" lang="ja-JP" altLang="en-US" smtClean="0"/>
-              <a:t>2026/2/17</a:t>
+              <a:t>2026/2/18</a:t>
             </a:fld>
             <a:endParaRPr kumimoji="1" lang="ja-JP" altLang="en-US"/>
           </a:p>
@@ -2641,7 +2641,7 @@
           <a:p>
             <a:fld id="{1A2C401F-F05B-4819-B696-4437F12E50AF}" type="datetimeFigureOut">
               <a:rPr kumimoji="1" lang="ja-JP" altLang="en-US" smtClean="0"/>
-              <a:t>2026/2/17</a:t>
+              <a:t>2026/2/18</a:t>
             </a:fld>
             <a:endParaRPr kumimoji="1" lang="ja-JP" altLang="en-US"/>
           </a:p>
@@ -2929,7 +2929,7 @@
           <a:p>
             <a:fld id="{1A2C401F-F05B-4819-B696-4437F12E50AF}" type="datetimeFigureOut">
               <a:rPr kumimoji="1" lang="ja-JP" altLang="en-US" smtClean="0"/>
-              <a:t>2026/2/17</a:t>
+              <a:t>2026/2/18</a:t>
             </a:fld>
             <a:endParaRPr kumimoji="1" lang="ja-JP" altLang="en-US"/>
           </a:p>
@@ -3202,7 +3202,7 @@
           <a:p>
             <a:fld id="{1A2C401F-F05B-4819-B696-4437F12E50AF}" type="datetimeFigureOut">
               <a:rPr kumimoji="1" lang="ja-JP" altLang="en-US" smtClean="0"/>
-              <a:t>2026/2/17</a:t>
+              <a:t>2026/2/18</a:t>
             </a:fld>
             <a:endParaRPr kumimoji="1" lang="ja-JP" altLang="en-US"/>
           </a:p>
@@ -9763,6 +9763,59 @@
               <a:t>その日のトレーニングの完了ボタンが押されたら反映</a:t>
             </a:r>
             <a:endParaRPr kumimoji="1" lang="ja-JP" altLang="en-US" dirty="0"/>
+          </a:p>
+        </p:txBody>
+      </p:sp>
+      <p:sp>
+        <p:nvSpPr>
+          <p:cNvPr id="5" name="正方形/長方形 4">
+            <a:extLst>
+              <a:ext uri="{FF2B5EF4-FFF2-40B4-BE49-F238E27FC236}">
+                <a16:creationId xmlns:a16="http://schemas.microsoft.com/office/drawing/2014/main" id="{DAE64527-9A5C-A015-7AFA-3DC91D76A736}"/>
+              </a:ext>
+            </a:extLst>
+          </p:cNvPr>
+          <p:cNvSpPr/>
+          <p:nvPr/>
+        </p:nvSpPr>
+        <p:spPr>
+          <a:xfrm>
+            <a:off x="8188365" y="1113643"/>
+            <a:ext cx="2789382" cy="856671"/>
+          </a:xfrm>
+          <a:prstGeom prst="rect">
+            <a:avLst/>
+          </a:prstGeom>
+        </p:spPr>
+        <p:style>
+          <a:lnRef idx="2">
+            <a:schemeClr val="accent1">
+              <a:shade val="15000"/>
+            </a:schemeClr>
+          </a:lnRef>
+          <a:fillRef idx="1">
+            <a:schemeClr val="accent1"/>
+          </a:fillRef>
+          <a:effectRef idx="0">
+            <a:schemeClr val="accent1"/>
+          </a:effectRef>
+          <a:fontRef idx="minor">
+            <a:schemeClr val="lt1"/>
+          </a:fontRef>
+        </p:style>
+        <p:txBody>
+          <a:bodyPr rtlCol="0" anchor="ctr"/>
+          <a:lstStyle/>
+          <a:p>
+            <a:pPr algn="ctr"/>
+            <a:r>
+              <a:rPr kumimoji="1" lang="en-US" altLang="ja-JP" dirty="0"/>
+              <a:t>※</a:t>
+            </a:r>
+            <a:r>
+              <a:rPr kumimoji="1" lang="ja-JP" altLang="en-US" dirty="0"/>
+              <a:t>日付を押すことで、その日の完了トレーニングのページに行く</a:t>
+            </a:r>
           </a:p>
         </p:txBody>
       </p:sp>
